--- a/12m.pptx
+++ b/12m.pptx
@@ -9109,6 +9109,9 @@
   <p:clrMapOvr>
     <a:masterClrMapping/>
   </p:clrMapOvr>
+  <p:transition spd="slow">
+    <p:push dir="u"/>
+  </p:transition>
 </p:sld>
 </file>
 
@@ -11204,6 +11207,9 @@
   <p:clrMapOvr>
     <a:masterClrMapping/>
   </p:clrMapOvr>
+  <p:transition spd="slow">
+    <p:push dir="u"/>
+  </p:transition>
 </p:sld>
 </file>
 
@@ -13637,6 +13643,9 @@
   <p:clrMapOvr>
     <a:masterClrMapping/>
   </p:clrMapOvr>
+  <p:transition spd="slow">
+    <p:push dir="u"/>
+  </p:transition>
 </p:sld>
 </file>
 
@@ -17958,6 +17967,9 @@
   <p:clrMapOvr>
     <a:masterClrMapping/>
   </p:clrMapOvr>
+  <p:transition spd="slow">
+    <p:push dir="u"/>
+  </p:transition>
 </p:sld>
 </file>
 
@@ -18258,6 +18270,9 @@
   <p:clrMapOvr>
     <a:masterClrMapping/>
   </p:clrMapOvr>
+  <p:transition spd="slow">
+    <p:push dir="u"/>
+  </p:transition>
 </p:sld>
 </file>
 
@@ -21227,6 +21242,9 @@
   <p:clrMapOvr>
     <a:masterClrMapping/>
   </p:clrMapOvr>
+  <p:transition spd="slow">
+    <p:push dir="u"/>
+  </p:transition>
 </p:sld>
 </file>
 
